--- a/bar2020-presentation.pptx
+++ b/bar2020-presentation.pptx
@@ -436,7 +436,7 @@
           <a:p>
             <a:fld id="{822B87CC-17EE-40C5-8334-16F285A5F38F}" type="datetimeFigureOut">
               <a:rPr lang="en-US" smtClean="0"/>
-              <a:t>2/23/2020</a:t>
+              <a:t>2/25/2020</a:t>
             </a:fld>
             <a:endParaRPr lang="en-US"/>
           </a:p>
@@ -2376,7 +2376,7 @@
           </a:ln>
           <a:extLst>
             <a:ext uri="{C572A759-6A51-4108-AA02-DFA0A04FC94B}">
-              <ma14:wrappingTextBoxFlag xmlns:ma14="http://schemas.microsoft.com/office/mac/drawingml/2011/main" xmlns="" val="1"/>
+              <ma14:wrappingTextBoxFlag xmlns="" xmlns:ma14="http://schemas.microsoft.com/office/mac/drawingml/2011/main" val="1"/>
             </a:ext>
           </a:extLst>
         </p:spPr>
@@ -2415,7 +2415,7 @@
           </a:ln>
           <a:extLst>
             <a:ext uri="{C572A759-6A51-4108-AA02-DFA0A04FC94B}">
-              <ma14:wrappingTextBoxFlag xmlns:ma14="http://schemas.microsoft.com/office/mac/drawingml/2011/main" xmlns="" val="1"/>
+              <ma14:wrappingTextBoxFlag xmlns="" xmlns:ma14="http://schemas.microsoft.com/office/mac/drawingml/2011/main" val="1"/>
             </a:ext>
           </a:extLst>
         </p:spPr>
@@ -6404,7 +6404,7 @@
           <a:p>
             <a:r>
               <a:rPr lang="en-US" dirty="0"/>
-              <a:t>Methodology</a:t>
+              <a:t>Example #3</a:t>
             </a:r>
           </a:p>
         </p:txBody>
